--- a/ЭФБО-01-22 Видео Редактор.pptx
+++ b/ЭФБО-01-22 Видео Редактор.pptx
@@ -5,10 +5,10 @@
     <p:sldMasterId id="2147483696" r:id="rId1"/>
   </p:sldMasterIdLst>
   <p:notesMasterIdLst>
-    <p:notesMasterId r:id="rId12"/>
+    <p:notesMasterId r:id="rId13"/>
   </p:notesMasterIdLst>
   <p:handoutMasterIdLst>
-    <p:handoutMasterId r:id="rId13"/>
+    <p:handoutMasterId r:id="rId14"/>
   </p:handoutMasterIdLst>
   <p:sldIdLst>
     <p:sldId id="256" r:id="rId2"/>
@@ -21,6 +21,7 @@
     <p:sldId id="263" r:id="rId9"/>
     <p:sldId id="264" r:id="rId10"/>
     <p:sldId id="265" r:id="rId11"/>
+    <p:sldId id="266" r:id="rId12"/>
   </p:sldIdLst>
   <p:sldSz cx="12192000" cy="6858000"/>
   <p:notesSz cx="6858000" cy="9144000"/>
@@ -119,6 +120,14 @@
       </a:defRPr>
     </a:lvl9pPr>
   </p:defaultTextStyle>
+  <p:extLst>
+    <p:ext uri="{EFAFB233-063F-42B5-8137-9DF3F51BA10A}">
+      <p15:sldGuideLst xmlns:p15="http://schemas.microsoft.com/office/powerpoint/2012/main"/>
+    </p:ext>
+    <p:ext uri="{2D200454-40CA-4A62-9FC3-DE9A4176ACB9}">
+      <p15:notesGuideLst xmlns:p15="http://schemas.microsoft.com/office/powerpoint/2012/main"/>
+    </p:ext>
+  </p:extLst>
 </p:presentation>
 </file>
 
@@ -204,7 +213,7 @@
           <a:p>
             <a:fld id="{D76A6694-1521-4504-BC81-941A565CBD7C}" type="datetimeFigureOut">
               <a:rPr lang="ru-RU" smtClean="0"/>
-              <a:t>24.09.2022</a:t>
+              <a:t>25.09.2022</a:t>
             </a:fld>
             <a:endParaRPr lang="ru-RU"/>
           </a:p>
@@ -369,7 +378,7 @@
           <a:p>
             <a:fld id="{3A214B94-4060-4C03-ABEA-FDC55312E027}" type="datetimeFigureOut">
               <a:rPr lang="ru-RU" smtClean="0"/>
-              <a:t>24.09.2022</a:t>
+              <a:t>25.09.2022</a:t>
             </a:fld>
             <a:endParaRPr lang="ru-RU"/>
           </a:p>
@@ -1056,7 +1065,7 @@
           <a:p>
             <a:fld id="{4F6EAF18-438A-4E08-B096-55448C7FF800}" type="datetimeFigureOut">
               <a:rPr lang="ru-RU" smtClean="0"/>
-              <a:t>24.09.2022</a:t>
+              <a:t>25.09.2022</a:t>
             </a:fld>
             <a:endParaRPr lang="ru-RU"/>
           </a:p>
@@ -2144,7 +2153,7 @@
           <a:p>
             <a:fld id="{4F6EAF18-438A-4E08-B096-55448C7FF800}" type="datetimeFigureOut">
               <a:rPr lang="ru-RU" smtClean="0"/>
-              <a:t>24.09.2022</a:t>
+              <a:t>25.09.2022</a:t>
             </a:fld>
             <a:endParaRPr lang="ru-RU"/>
           </a:p>
@@ -3124,7 +3133,7 @@
           <a:p>
             <a:fld id="{4F6EAF18-438A-4E08-B096-55448C7FF800}" type="datetimeFigureOut">
               <a:rPr lang="ru-RU" smtClean="0"/>
-              <a:t>24.09.2022</a:t>
+              <a:t>25.09.2022</a:t>
             </a:fld>
             <a:endParaRPr lang="ru-RU"/>
           </a:p>
@@ -4258,7 +4267,7 @@
           <a:p>
             <a:fld id="{4F6EAF18-438A-4E08-B096-55448C7FF800}" type="datetimeFigureOut">
               <a:rPr lang="ru-RU" smtClean="0"/>
-              <a:t>24.09.2022</a:t>
+              <a:t>25.09.2022</a:t>
             </a:fld>
             <a:endParaRPr lang="ru-RU"/>
           </a:p>
@@ -5291,7 +5300,7 @@
           <a:p>
             <a:fld id="{4F6EAF18-438A-4E08-B096-55448C7FF800}" type="datetimeFigureOut">
               <a:rPr lang="ru-RU" smtClean="0"/>
-              <a:t>24.09.2022</a:t>
+              <a:t>25.09.2022</a:t>
             </a:fld>
             <a:endParaRPr lang="ru-RU"/>
           </a:p>
@@ -5951,7 +5960,7 @@
           <a:p>
             <a:fld id="{4F6EAF18-438A-4E08-B096-55448C7FF800}" type="datetimeFigureOut">
               <a:rPr lang="ru-RU" smtClean="0"/>
-              <a:t>24.09.2022</a:t>
+              <a:t>25.09.2022</a:t>
             </a:fld>
             <a:endParaRPr lang="ru-RU"/>
           </a:p>
@@ -6812,7 +6821,7 @@
           <a:p>
             <a:fld id="{4F6EAF18-438A-4E08-B096-55448C7FF800}" type="datetimeFigureOut">
               <a:rPr lang="ru-RU" smtClean="0"/>
-              <a:t>24.09.2022</a:t>
+              <a:t>25.09.2022</a:t>
             </a:fld>
             <a:endParaRPr lang="ru-RU"/>
           </a:p>
@@ -7002,7 +7011,7 @@
           <a:p>
             <a:fld id="{4F6EAF18-438A-4E08-B096-55448C7FF800}" type="datetimeFigureOut">
               <a:rPr lang="ru-RU" smtClean="0"/>
-              <a:t>24.09.2022</a:t>
+              <a:t>25.09.2022</a:t>
             </a:fld>
             <a:endParaRPr lang="ru-RU"/>
           </a:p>
@@ -7974,7 +7983,7 @@
           <a:p>
             <a:fld id="{4F6EAF18-438A-4E08-B096-55448C7FF800}" type="datetimeFigureOut">
               <a:rPr lang="ru-RU" smtClean="0"/>
-              <a:t>24.09.2022</a:t>
+              <a:t>25.09.2022</a:t>
             </a:fld>
             <a:endParaRPr lang="ru-RU"/>
           </a:p>
@@ -8185,7 +8194,7 @@
           <a:p>
             <a:fld id="{4F6EAF18-438A-4E08-B096-55448C7FF800}" type="datetimeFigureOut">
               <a:rPr lang="ru-RU" smtClean="0"/>
-              <a:t>24.09.2022</a:t>
+              <a:t>25.09.2022</a:t>
             </a:fld>
             <a:endParaRPr lang="ru-RU"/>
           </a:p>
@@ -9219,7 +9228,7 @@
           <a:p>
             <a:fld id="{4F6EAF18-438A-4E08-B096-55448C7FF800}" type="datetimeFigureOut">
               <a:rPr lang="ru-RU" smtClean="0"/>
-              <a:t>24.09.2022</a:t>
+              <a:t>25.09.2022</a:t>
             </a:fld>
             <a:endParaRPr lang="ru-RU"/>
           </a:p>
@@ -9491,7 +9500,7 @@
           <a:p>
             <a:fld id="{4F6EAF18-438A-4E08-B096-55448C7FF800}" type="datetimeFigureOut">
               <a:rPr lang="ru-RU" smtClean="0"/>
-              <a:t>24.09.2022</a:t>
+              <a:t>25.09.2022</a:t>
             </a:fld>
             <a:endParaRPr lang="ru-RU"/>
           </a:p>
@@ -9901,7 +9910,7 @@
           <a:p>
             <a:fld id="{4F6EAF18-438A-4E08-B096-55448C7FF800}" type="datetimeFigureOut">
               <a:rPr lang="ru-RU" smtClean="0"/>
-              <a:t>24.09.2022</a:t>
+              <a:t>25.09.2022</a:t>
             </a:fld>
             <a:endParaRPr lang="ru-RU"/>
           </a:p>
@@ -10028,7 +10037,7 @@
           <a:p>
             <a:fld id="{4F6EAF18-438A-4E08-B096-55448C7FF800}" type="datetimeFigureOut">
               <a:rPr lang="ru-RU" smtClean="0"/>
-              <a:t>24.09.2022</a:t>
+              <a:t>25.09.2022</a:t>
             </a:fld>
             <a:endParaRPr lang="ru-RU"/>
           </a:p>
@@ -10123,7 +10132,7 @@
           <a:p>
             <a:fld id="{4F6EAF18-438A-4E08-B096-55448C7FF800}" type="datetimeFigureOut">
               <a:rPr lang="ru-RU" smtClean="0"/>
-              <a:t>24.09.2022</a:t>
+              <a:t>25.09.2022</a:t>
             </a:fld>
             <a:endParaRPr lang="ru-RU"/>
           </a:p>
@@ -11204,7 +11213,7 @@
           <a:p>
             <a:fld id="{4F6EAF18-438A-4E08-B096-55448C7FF800}" type="datetimeFigureOut">
               <a:rPr lang="ru-RU" smtClean="0"/>
-              <a:t>24.09.2022</a:t>
+              <a:t>25.09.2022</a:t>
             </a:fld>
             <a:endParaRPr lang="ru-RU"/>
           </a:p>
@@ -12312,7 +12321,7 @@
           <a:p>
             <a:fld id="{4F6EAF18-438A-4E08-B096-55448C7FF800}" type="datetimeFigureOut">
               <a:rPr lang="ru-RU" smtClean="0"/>
-              <a:t>24.09.2022</a:t>
+              <a:t>25.09.2022</a:t>
             </a:fld>
             <a:endParaRPr lang="ru-RU"/>
           </a:p>
@@ -13309,7 +13318,7 @@
           <a:p>
             <a:fld id="{4F6EAF18-438A-4E08-B096-55448C7FF800}" type="datetimeFigureOut">
               <a:rPr lang="ru-RU" smtClean="0"/>
-              <a:t>24.09.2022</a:t>
+              <a:t>25.09.2022</a:t>
             </a:fld>
             <a:endParaRPr lang="ru-RU"/>
           </a:p>
@@ -14116,6 +14125,59 @@
       </p:par>
     </p:tnLst>
   </p:timing>
+</p:sld>
+</file>
+
+<file path=ppt/slides/slide11.xml><?xml version="1.0" encoding="utf-8"?>
+<p:sld xmlns:a="http://schemas.openxmlformats.org/drawingml/2006/main" xmlns:r="http://schemas.openxmlformats.org/officeDocument/2006/relationships" xmlns:p="http://schemas.openxmlformats.org/presentationml/2006/main">
+  <p:cSld>
+    <p:spTree>
+      <p:nvGrpSpPr>
+        <p:cNvPr id="1" name=""/>
+        <p:cNvGrpSpPr/>
+        <p:nvPr/>
+      </p:nvGrpSpPr>
+      <p:grpSpPr>
+        <a:xfrm>
+          <a:off x="0" y="0"/>
+          <a:ext cx="0" cy="0"/>
+          <a:chOff x="0" y="0"/>
+          <a:chExt cx="0" cy="0"/>
+        </a:xfrm>
+      </p:grpSpPr>
+      <p:sp>
+        <p:nvSpPr>
+          <p:cNvPr id="2" name="Заголовок 1"/>
+          <p:cNvSpPr>
+            <a:spLocks noGrp="1"/>
+          </p:cNvSpPr>
+          <p:nvPr>
+            <p:ph type="title"/>
+          </p:nvPr>
+        </p:nvSpPr>
+        <p:spPr/>
+        <p:txBody>
+          <a:bodyPr/>
+          <a:lstStyle/>
+          <a:p>
+            <a:r>
+              <a:rPr lang="ru-RU" dirty="0" smtClean="0"/>
+              <a:t>Спасибо за внимание!</a:t>
+            </a:r>
+            <a:endParaRPr lang="ru-RU" dirty="0"/>
+          </a:p>
+        </p:txBody>
+      </p:sp>
+    </p:spTree>
+    <p:extLst>
+      <p:ext uri="{BB962C8B-B14F-4D97-AF65-F5344CB8AC3E}">
+        <p14:creationId xmlns:p14="http://schemas.microsoft.com/office/powerpoint/2010/main" val="3140752201"/>
+      </p:ext>
+    </p:extLst>
+  </p:cSld>
+  <p:clrMapOvr>
+    <a:masterClrMapping/>
+  </p:clrMapOvr>
 </p:sld>
 </file>
 
